--- a/test/pptx/content-with-caption/text-image/templated.pptx
+++ b/test/pptx/content-with-caption/text-image/templated.pptx
@@ -5739,7 +5739,7 @@
           <a:bodyPr/>
           <a:lstStyle/>
           <a:p>
-            <a:pPr lvl="0" marL="0" indent="0">
+            <a:pPr lvl="0" indent="0" marL="0">
               <a:buNone/>
             </a:pPr>
             <a:r>
@@ -5783,7 +5783,9 @@
         <p:nvSpPr>
           <p:cNvPr id="1" name="TextBox 3"/>
           <p:cNvSpPr txBox="1"/>
-          <p:nvPr/>
+          <p:nvPr>
+            <p:ph idx="1"/>
+          </p:nvPr>
         </p:nvSpPr>
         <p:spPr>
           <a:xfrm>
@@ -5799,7 +5801,7 @@
           <a:bodyPr/>
           <a:lstStyle/>
           <a:p>
-            <a:pPr lvl="0" marL="0" indent="0" algn="ctr">
+            <a:pPr lvl="0" indent="0" marL="0" algn="ctr">
               <a:buNone/>
             </a:pPr>
             <a:r>
